--- a/Programmation structurée/P2 - Définition de l'algorithme/Lecture et choix du tuteurs/Omar zaoujal.pptx
+++ b/Programmation structurée/P2 - Définition de l'algorithme/Lecture et choix du tuteurs/Omar zaoujal.pptx
@@ -9,8 +9,6 @@
     <p:sldId id="261" r:id="rId3"/>
     <p:sldId id="260" r:id="rId4"/>
     <p:sldId id="259" r:id="rId5"/>
-    <p:sldId id="258" r:id="rId6"/>
-    <p:sldId id="257" r:id="rId7"/>
   </p:sldIdLst>
   <p:sldSz cx="12192000" cy="6858000"/>
   <p:notesSz cx="6858000" cy="9144000"/>
@@ -6020,7 +6018,11 @@
             <a:pPr algn="l"/>
             <a:r>
               <a:rPr lang="fr-FR" sz="3600" b="1" dirty="0" smtClean="0"/>
-              <a:t>→ Nom d’activité : Lecture et choix des tuteur </a:t>
+              <a:t>→ Nom d’activité : </a:t>
+            </a:r>
+            <a:r>
+              <a:rPr lang="fr-FR" sz="3600" b="1" dirty="0" smtClean="0"/>
+              <a:t>Lecture et choix des tuteur </a:t>
             </a:r>
             <a:endParaRPr lang="fr-FR" sz="3600" b="1" dirty="0"/>
           </a:p>
@@ -6288,62 +6290,62 @@
         </p:spPr>
         <p:txBody>
           <a:bodyPr>
-            <a:normAutofit fontScale="85000" lnSpcReduction="20000"/>
+            <a:noAutofit/>
           </a:bodyPr>
           <a:lstStyle/>
           <a:p>
             <a:r>
-              <a:rPr lang="fr-FR" dirty="0" smtClean="0">
+              <a:rPr lang="fr-FR" sz="2400" dirty="0" smtClean="0">
                 <a:effectLst/>
               </a:rPr>
               <a:t>L'instruction </a:t>
             </a:r>
             <a:r>
-              <a:rPr lang="fr-FR" dirty="0">
+              <a:rPr lang="fr-FR" sz="2400" dirty="0">
                 <a:effectLst/>
               </a:rPr>
               <a:t>est l'élément clé de l'ordinateur car c'est elle qui permet de spécifier</a:t>
             </a:r>
             <a:br>
-              <a:rPr lang="fr-FR" dirty="0">
+              <a:rPr lang="fr-FR" sz="2400" dirty="0">
                 <a:effectLst/>
               </a:rPr>
             </a:br>
             <a:r>
-              <a:rPr lang="fr-FR" dirty="0">
+              <a:rPr lang="fr-FR" sz="2400" dirty="0">
                 <a:effectLst/>
               </a:rPr>
               <a:t>au processeur l'action à effectuer. Les instructions à effectuer sont indiquées dans le fichier source</a:t>
             </a:r>
             <a:br>
-              <a:rPr lang="fr-FR" dirty="0">
+              <a:rPr lang="fr-FR" sz="2400" dirty="0">
                 <a:effectLst/>
               </a:rPr>
             </a:br>
             <a:r>
-              <a:rPr lang="fr-FR" dirty="0">
+              <a:rPr lang="fr-FR" sz="2400" dirty="0">
                 <a:effectLst/>
               </a:rPr>
               <a:t>et l'ordinateur passe d'une instruction à une autre en suivant les instructions indiquées de haut en bas</a:t>
             </a:r>
             <a:br>
-              <a:rPr lang="fr-FR" dirty="0">
+              <a:rPr lang="fr-FR" sz="2400" dirty="0">
                 <a:effectLst/>
               </a:rPr>
             </a:br>
             <a:r>
-              <a:rPr lang="fr-FR" dirty="0">
+              <a:rPr lang="fr-FR" sz="2400" dirty="0">
                 <a:effectLst/>
               </a:rPr>
               <a:t/>
             </a:r>
             <a:br>
-              <a:rPr lang="fr-FR" dirty="0">
+              <a:rPr lang="fr-FR" sz="2400" dirty="0">
                 <a:effectLst/>
               </a:rPr>
             </a:br>
             <a:r>
-              <a:rPr lang="fr-FR" dirty="0">
+              <a:rPr lang="fr-FR" sz="2400" dirty="0">
                 <a:effectLst/>
               </a:rPr>
               <a:t>Une instruction est généralement composée de deux éléments :</a:t>
@@ -6351,7 +6353,7 @@
           </a:p>
           <a:p>
             <a:r>
-              <a:rPr lang="fr-FR" dirty="0">
+              <a:rPr lang="fr-FR" sz="2400" dirty="0">
                 <a:effectLst/>
               </a:rPr>
               <a:t>l'opérateur: action à effectuer par le processeur</a:t>
@@ -6359,87 +6361,24 @@
           </a:p>
           <a:p>
             <a:r>
-              <a:rPr lang="fr-FR" dirty="0" smtClean="0">
+              <a:rPr lang="fr-FR" sz="2400" dirty="0" smtClean="0">
                 <a:effectLst/>
               </a:rPr>
               <a:t>les </a:t>
             </a:r>
             <a:r>
-              <a:rPr lang="fr-FR" dirty="0">
+              <a:rPr lang="fr-FR" sz="2400" dirty="0">
                 <a:effectLst/>
               </a:rPr>
               <a:t>opérandes: une ou plusieurs données sur lequel on va effectuer </a:t>
             </a:r>
             <a:r>
-              <a:rPr lang="fr-FR" dirty="0" smtClean="0">
+              <a:rPr lang="fr-FR" sz="2400" dirty="0" smtClean="0">
                 <a:effectLst/>
               </a:rPr>
               <a:t>l'opération</a:t>
             </a:r>
-          </a:p>
-          <a:p>
-            <a:r>
-              <a:rPr lang="ar-MA" dirty="0">
-                <a:effectLst/>
-              </a:rPr>
-              <a:t>التعليمات هي العنصر الرئيسي في الكمبيوتر لأنه يسمح بتحديده</a:t>
-            </a:r>
-          </a:p>
-          <a:p>
-            <a:r>
-              <a:rPr lang="ar-MA" dirty="0">
-                <a:effectLst/>
-              </a:rPr>
-              <a:t>المعالج العمل لتنفيذ. يشار إلى التعليمات الواجب تنفيذها في الملف المصدر</a:t>
-            </a:r>
-          </a:p>
-          <a:p>
-            <a:r>
-              <a:rPr lang="ar-MA" dirty="0">
-                <a:effectLst/>
-              </a:rPr>
-              <a:t>وينتقل الكمبيوتر من تعليمة إلى أخرى باتباع الإرشادات الموضحة من أعلى إلى أسفل</a:t>
-            </a:r>
-          </a:p>
-          <a:p>
-            <a:endParaRPr lang="ar-MA" dirty="0">
-              <a:effectLst/>
-            </a:endParaRPr>
-          </a:p>
-          <a:p>
-            <a:endParaRPr lang="ar-MA" dirty="0">
-              <a:effectLst/>
-            </a:endParaRPr>
-          </a:p>
-          <a:p>
-            <a:r>
-              <a:rPr lang="ar-MA" dirty="0">
-                <a:effectLst/>
-              </a:rPr>
-              <a:t>يتكون التعليم عادة من عنصرين:</a:t>
-            </a:r>
-          </a:p>
-          <a:p>
-            <a:endParaRPr lang="ar-MA" dirty="0">
-              <a:effectLst/>
-            </a:endParaRPr>
-          </a:p>
-          <a:p>
-            <a:r>
-              <a:rPr lang="ar-MA" dirty="0">
-                <a:effectLst/>
-              </a:rPr>
-              <a:t>المشغل: الإجراء الذي يتعين على المعالج القيام به</a:t>
-            </a:r>
-          </a:p>
-          <a:p>
-            <a:r>
-              <a:rPr lang="ar-MA" dirty="0">
-                <a:effectLst/>
-              </a:rPr>
-              <a:t>المعاملات: واحد أو أكثر من البيانات التي سنقوم بتنفيذ العملية</a:t>
-            </a:r>
-            <a:endParaRPr lang="fr-FR" dirty="0">
+            <a:endParaRPr lang="fr-FR" sz="2400" dirty="0" smtClean="0">
               <a:effectLst/>
             </a:endParaRPr>
           </a:p>
@@ -6559,193 +6498,6 @@
     <p:extLst>
       <p:ext uri="{BB962C8B-B14F-4D97-AF65-F5344CB8AC3E}">
         <p14:creationId xmlns:p14="http://schemas.microsoft.com/office/powerpoint/2010/main" val="38720496"/>
-      </p:ext>
-    </p:extLst>
-  </p:cSld>
-  <p:clrMapOvr>
-    <a:masterClrMapping/>
-  </p:clrMapOvr>
-</p:sld>
-</file>
-
-<file path=ppt/slides/slide5.xml><?xml version="1.0" encoding="utf-8"?>
-<p:sld xmlns:a="http://schemas.openxmlformats.org/drawingml/2006/main" xmlns:r="http://schemas.openxmlformats.org/officeDocument/2006/relationships" xmlns:p="http://schemas.openxmlformats.org/presentationml/2006/main">
-  <p:cSld>
-    <p:spTree>
-      <p:nvGrpSpPr>
-        <p:cNvPr id="1" name=""/>
-        <p:cNvGrpSpPr/>
-        <p:nvPr/>
-      </p:nvGrpSpPr>
-      <p:grpSpPr>
-        <a:xfrm>
-          <a:off x="0" y="0"/>
-          <a:ext cx="0" cy="0"/>
-          <a:chOff x="0" y="0"/>
-          <a:chExt cx="0" cy="0"/>
-        </a:xfrm>
-      </p:grpSpPr>
-      <p:sp>
-        <p:nvSpPr>
-          <p:cNvPr id="2" name="Titre 1"/>
-          <p:cNvSpPr>
-            <a:spLocks noGrp="1"/>
-          </p:cNvSpPr>
-          <p:nvPr>
-            <p:ph type="title"/>
-          </p:nvPr>
-        </p:nvSpPr>
-        <p:spPr/>
-        <p:txBody>
-          <a:bodyPr/>
-          <a:lstStyle/>
-          <a:p>
-            <a:r>
-              <a:rPr lang="fr-FR" dirty="0" smtClean="0"/>
-              <a:t>Mots  clé </a:t>
-            </a:r>
-            <a:endParaRPr lang="fr-FR" dirty="0"/>
-          </a:p>
-        </p:txBody>
-      </p:sp>
-      <p:sp>
-        <p:nvSpPr>
-          <p:cNvPr id="3" name="Espace réservé du contenu 2"/>
-          <p:cNvSpPr>
-            <a:spLocks noGrp="1"/>
-          </p:cNvSpPr>
-          <p:nvPr>
-            <p:ph idx="1"/>
-          </p:nvPr>
-        </p:nvSpPr>
-        <p:spPr/>
-        <p:txBody>
-          <a:bodyPr/>
-          <a:lstStyle/>
-          <a:p>
-            <a:r>
-              <a:rPr lang="fr-FR" dirty="0" smtClean="0"/>
-              <a:t>Algorithme – programme – logiciels – problème – codages – séquence – langage – correction -  </a:t>
-            </a:r>
-            <a:endParaRPr lang="fr-FR" dirty="0"/>
-          </a:p>
-        </p:txBody>
-      </p:sp>
-    </p:spTree>
-    <p:extLst>
-      <p:ext uri="{BB962C8B-B14F-4D97-AF65-F5344CB8AC3E}">
-        <p14:creationId xmlns:p14="http://schemas.microsoft.com/office/powerpoint/2010/main" val="3079961946"/>
-      </p:ext>
-    </p:extLst>
-  </p:cSld>
-  <p:clrMapOvr>
-    <a:masterClrMapping/>
-  </p:clrMapOvr>
-</p:sld>
-</file>
-
-<file path=ppt/slides/slide6.xml><?xml version="1.0" encoding="utf-8"?>
-<p:sld xmlns:a="http://schemas.openxmlformats.org/drawingml/2006/main" xmlns:r="http://schemas.openxmlformats.org/officeDocument/2006/relationships" xmlns:p="http://schemas.openxmlformats.org/presentationml/2006/main">
-  <p:cSld>
-    <p:spTree>
-      <p:nvGrpSpPr>
-        <p:cNvPr id="1" name=""/>
-        <p:cNvGrpSpPr/>
-        <p:nvPr/>
-      </p:nvGrpSpPr>
-      <p:grpSpPr>
-        <a:xfrm>
-          <a:off x="0" y="0"/>
-          <a:ext cx="0" cy="0"/>
-          <a:chOff x="0" y="0"/>
-          <a:chExt cx="0" cy="0"/>
-        </a:xfrm>
-      </p:grpSpPr>
-      <p:sp>
-        <p:nvSpPr>
-          <p:cNvPr id="3" name="Espace réservé du contenu 2"/>
-          <p:cNvSpPr>
-            <a:spLocks noGrp="1"/>
-          </p:cNvSpPr>
-          <p:nvPr>
-            <p:ph idx="1"/>
-          </p:nvPr>
-        </p:nvSpPr>
-        <p:spPr/>
-        <p:txBody>
-          <a:bodyPr/>
-          <a:lstStyle/>
-          <a:p>
-            <a:r>
-              <a:rPr lang="fr-FR" dirty="0" smtClean="0"/>
-              <a:t>1 - </a:t>
-            </a:r>
-            <a:r>
-              <a:rPr lang="fr-FR" b="1" dirty="0">
-                <a:effectLst/>
-              </a:rPr>
-              <a:t>Séquence:</a:t>
-            </a:r>
-            <a:r>
-              <a:rPr lang="fr-FR" dirty="0">
-                <a:effectLst/>
-              </a:rPr>
-              <a:t> Ce type d'algorithme se caractérise par une série d'étapes, et chaque étape sera exécutée l'une après l'autre</a:t>
-            </a:r>
-            <a:r>
-              <a:rPr lang="fr-FR" dirty="0" smtClean="0">
-                <a:effectLst/>
-              </a:rPr>
-              <a:t>.</a:t>
-            </a:r>
-          </a:p>
-          <a:p>
-            <a:r>
-              <a:rPr lang="fr-FR" dirty="0" smtClean="0">
-                <a:effectLst/>
-              </a:rPr>
-              <a:t>2 </a:t>
-            </a:r>
-            <a:r>
-              <a:rPr lang="fr-FR" dirty="0">
-                <a:effectLst/>
-              </a:rPr>
-              <a:t>- Branchement: Ce type d'algorithme est représenté par les problèmes «si». Si une condition est vraie, la sortie sera A, si la condition est fausse, la sortie sera B. Ce type d'algorithme est également appelé «type de sélection</a:t>
-            </a:r>
-            <a:r>
-              <a:rPr lang="fr-FR" dirty="0" smtClean="0">
-                <a:effectLst/>
-              </a:rPr>
-              <a:t>».</a:t>
-            </a:r>
-          </a:p>
-          <a:p>
-            <a:r>
-              <a:rPr lang="fr-FR" dirty="0" smtClean="0">
-                <a:effectLst/>
-              </a:rPr>
-              <a:t>3 - </a:t>
-            </a:r>
-            <a:r>
-              <a:rPr lang="fr-FR" b="1" dirty="0">
-                <a:effectLst/>
-              </a:rPr>
-              <a:t>Boucle: </a:t>
-            </a:r>
-            <a:r>
-              <a:rPr lang="fr-FR" dirty="0">
-                <a:effectLst/>
-              </a:rPr>
-              <a:t>Pour ce type, le processus peut être exécuté à plusieurs reprises sous une certaine condition. Il est représenté par des problèmes «oui» et «non». Mais assurez-vous que le processus se terminera après un certain nombre de boucles sous la condition. Ce type d'algorithme est également appelé «type de répétition».</a:t>
-            </a:r>
-            <a:endParaRPr lang="fr-FR" dirty="0"/>
-          </a:p>
-        </p:txBody>
-      </p:sp>
-    </p:spTree>
-    <p:extLst>
-      <p:ext uri="{BB962C8B-B14F-4D97-AF65-F5344CB8AC3E}">
-        <p14:creationId xmlns:p14="http://schemas.microsoft.com/office/powerpoint/2010/main" val="1137894895"/>
       </p:ext>
     </p:extLst>
   </p:cSld>
